--- a/docs/diagrams/DeleteMedicalHistorySequenceDiagram.pptx
+++ b/docs/diagrams/DeleteMedicalHistorySequenceDiagram.pptx
@@ -8,7 +8,7 @@
     <p:notesMasterId r:id="rId3"/>
   </p:notesMasterIdLst>
   <p:sldIdLst>
-    <p:sldId id="268" r:id="rId2"/>
+    <p:sldId id="269" r:id="rId2"/>
   </p:sldIdLst>
   <p:sldSz cx="9144000" cy="6858000" type="screen4x3"/>
   <p:notesSz cx="6858000" cy="9144000"/>
@@ -208,7 +208,7 @@
           <a:p>
             <a:fld id="{F5CC4B3F-88C1-4FFA-B1B6-F41C21DC6924}" type="datetimeFigureOut">
               <a:rPr lang="en-US" smtClean="0"/>
-              <a:t>10/24/18</a:t>
+              <a:t>11/11/18</a:t>
             </a:fld>
             <a:endParaRPr lang="en-US"/>
           </a:p>
@@ -654,7 +654,7 @@
           <a:p>
             <a:fld id="{78C97017-6FC3-485B-9764-EAC9E56C1D49}" type="datetimeFigureOut">
               <a:rPr lang="en-US" smtClean="0"/>
-              <a:t>10/24/18</a:t>
+              <a:t>11/11/18</a:t>
             </a:fld>
             <a:endParaRPr lang="en-US"/>
           </a:p>
@@ -822,7 +822,7 @@
           <a:p>
             <a:fld id="{78C97017-6FC3-485B-9764-EAC9E56C1D49}" type="datetimeFigureOut">
               <a:rPr lang="en-US" smtClean="0"/>
-              <a:t>10/24/18</a:t>
+              <a:t>11/11/18</a:t>
             </a:fld>
             <a:endParaRPr lang="en-US"/>
           </a:p>
@@ -1000,7 +1000,7 @@
           <a:p>
             <a:fld id="{78C97017-6FC3-485B-9764-EAC9E56C1D49}" type="datetimeFigureOut">
               <a:rPr lang="en-US" smtClean="0"/>
-              <a:t>10/24/18</a:t>
+              <a:t>11/11/18</a:t>
             </a:fld>
             <a:endParaRPr lang="en-US"/>
           </a:p>
@@ -1168,7 +1168,7 @@
           <a:p>
             <a:fld id="{78C97017-6FC3-485B-9764-EAC9E56C1D49}" type="datetimeFigureOut">
               <a:rPr lang="en-US" smtClean="0"/>
-              <a:t>10/24/18</a:t>
+              <a:t>11/11/18</a:t>
             </a:fld>
             <a:endParaRPr lang="en-US"/>
           </a:p>
@@ -1413,7 +1413,7 @@
           <a:p>
             <a:fld id="{78C97017-6FC3-485B-9764-EAC9E56C1D49}" type="datetimeFigureOut">
               <a:rPr lang="en-US" smtClean="0"/>
-              <a:t>10/24/18</a:t>
+              <a:t>11/11/18</a:t>
             </a:fld>
             <a:endParaRPr lang="en-US"/>
           </a:p>
@@ -1698,7 +1698,7 @@
           <a:p>
             <a:fld id="{78C97017-6FC3-485B-9764-EAC9E56C1D49}" type="datetimeFigureOut">
               <a:rPr lang="en-US" smtClean="0"/>
-              <a:t>10/24/18</a:t>
+              <a:t>11/11/18</a:t>
             </a:fld>
             <a:endParaRPr lang="en-US"/>
           </a:p>
@@ -2117,7 +2117,7 @@
           <a:p>
             <a:fld id="{78C97017-6FC3-485B-9764-EAC9E56C1D49}" type="datetimeFigureOut">
               <a:rPr lang="en-US" smtClean="0"/>
-              <a:t>10/24/18</a:t>
+              <a:t>11/11/18</a:t>
             </a:fld>
             <a:endParaRPr lang="en-US"/>
           </a:p>
@@ -2234,7 +2234,7 @@
           <a:p>
             <a:fld id="{78C97017-6FC3-485B-9764-EAC9E56C1D49}" type="datetimeFigureOut">
               <a:rPr lang="en-US" smtClean="0"/>
-              <a:t>10/24/18</a:t>
+              <a:t>11/11/18</a:t>
             </a:fld>
             <a:endParaRPr lang="en-US"/>
           </a:p>
@@ -2329,7 +2329,7 @@
           <a:p>
             <a:fld id="{78C97017-6FC3-485B-9764-EAC9E56C1D49}" type="datetimeFigureOut">
               <a:rPr lang="en-US" smtClean="0"/>
-              <a:t>10/24/18</a:t>
+              <a:t>11/11/18</a:t>
             </a:fld>
             <a:endParaRPr lang="en-US"/>
           </a:p>
@@ -2604,7 +2604,7 @@
           <a:p>
             <a:fld id="{78C97017-6FC3-485B-9764-EAC9E56C1D49}" type="datetimeFigureOut">
               <a:rPr lang="en-US" smtClean="0"/>
-              <a:t>10/24/18</a:t>
+              <a:t>11/11/18</a:t>
             </a:fld>
             <a:endParaRPr lang="en-US"/>
           </a:p>
@@ -2856,7 +2856,7 @@
           <a:p>
             <a:fld id="{78C97017-6FC3-485B-9764-EAC9E56C1D49}" type="datetimeFigureOut">
               <a:rPr lang="en-US" smtClean="0"/>
-              <a:t>10/24/18</a:t>
+              <a:t>11/11/18</a:t>
             </a:fld>
             <a:endParaRPr lang="en-US"/>
           </a:p>
@@ -3067,7 +3067,7 @@
           <a:p>
             <a:fld id="{78C97017-6FC3-485B-9764-EAC9E56C1D49}" type="datetimeFigureOut">
               <a:rPr lang="en-US" smtClean="0"/>
-              <a:t>10/24/18</a:t>
+              <a:t>11/11/18</a:t>
             </a:fld>
             <a:endParaRPr lang="en-US"/>
           </a:p>
@@ -3456,8 +3456,8 @@
         </p:nvSpPr>
         <p:spPr>
           <a:xfrm>
-            <a:off x="5856199" y="1740137"/>
-            <a:ext cx="3206009" cy="3567874"/>
+            <a:off x="5004966" y="1747075"/>
+            <a:ext cx="3294837" cy="3656187"/>
           </a:xfrm>
           <a:prstGeom prst="roundRect">
             <a:avLst>
@@ -3465,10 +3465,7 @@
             </a:avLst>
           </a:prstGeom>
           <a:solidFill>
-            <a:schemeClr val="accent4">
-              <a:lumMod val="20000"/>
-              <a:lumOff val="80000"/>
-            </a:schemeClr>
+            <a:srgbClr val="FFF3CC"/>
           </a:solidFill>
           <a:ln w="19050">
             <a:noFill/>
@@ -3513,7 +3510,7 @@
         <p:spPr>
           <a:xfrm>
             <a:off x="31783" y="1740138"/>
-            <a:ext cx="5867034" cy="3584374"/>
+            <a:ext cx="4903381" cy="3670062"/>
           </a:xfrm>
           <a:prstGeom prst="roundRect">
             <a:avLst>
@@ -3797,9 +3794,9 @@
           <p:nvPr/>
         </p:nvCxnSpPr>
         <p:spPr>
-          <a:xfrm>
-            <a:off x="2405314" y="2270587"/>
-            <a:ext cx="0" cy="1594592"/>
+          <a:xfrm flipH="1">
+            <a:off x="2398838" y="2270587"/>
+            <a:ext cx="6476" cy="1471112"/>
           </a:xfrm>
           <a:prstGeom prst="line">
             <a:avLst/>
@@ -3835,8 +3832,8 @@
         </p:nvSpPr>
         <p:spPr>
           <a:xfrm>
-            <a:off x="2329138" y="2642983"/>
-            <a:ext cx="174929" cy="1129459"/>
+            <a:off x="2314636" y="2642984"/>
+            <a:ext cx="168405" cy="856762"/>
           </a:xfrm>
           <a:prstGeom prst="rect">
             <a:avLst/>
@@ -3886,7 +3883,7 @@
         </p:nvSpPr>
         <p:spPr>
           <a:xfrm>
-            <a:off x="4628203" y="2696247"/>
+            <a:off x="3492435" y="2295427"/>
             <a:ext cx="1043416" cy="520203"/>
           </a:xfrm>
           <a:prstGeom prst="rect">
@@ -3962,9 +3959,9 @@
           <p:nvPr/>
         </p:nvCxnSpPr>
         <p:spPr>
-          <a:xfrm>
-            <a:off x="5027536" y="3237231"/>
-            <a:ext cx="30355" cy="2070780"/>
+          <a:xfrm flipH="1">
+            <a:off x="4034625" y="2815630"/>
+            <a:ext cx="7710" cy="2492381"/>
           </a:xfrm>
           <a:prstGeom prst="line">
             <a:avLst/>
@@ -4000,8 +3997,8 @@
         </p:nvSpPr>
         <p:spPr>
           <a:xfrm>
-            <a:off x="4974834" y="3237231"/>
-            <a:ext cx="105404" cy="225927"/>
+            <a:off x="3955248" y="2815630"/>
+            <a:ext cx="174173" cy="237377"/>
           </a:xfrm>
           <a:prstGeom prst="rect">
             <a:avLst/>
@@ -4123,8 +4120,8 @@
         </p:nvSpPr>
         <p:spPr>
           <a:xfrm>
-            <a:off x="-18663" y="2546133"/>
-            <a:ext cx="1028758" cy="553998"/>
+            <a:off x="-60043" y="2546133"/>
+            <a:ext cx="1070138" cy="415498"/>
           </a:xfrm>
           <a:prstGeom prst="rect">
             <a:avLst/>
@@ -4155,84 +4152,11 @@
                   <a:srgbClr val="0070C0"/>
                 </a:solidFill>
               </a:rPr>
-              <a:t>(“delete-medical-history</a:t>
-            </a:r>
-          </a:p>
-          <a:p>
-            <a:pPr algn="r"/>
-            <a:r>
-              <a:rPr lang="en-US" altLang="zh-Hans" sz="900" dirty="0">
-                <a:solidFill>
-                  <a:srgbClr val="0070C0"/>
-                </a:solidFill>
-              </a:rPr>
-              <a:t>1</a:t>
-            </a:r>
-            <a:r>
-              <a:rPr lang="zh-Hans" altLang="en-US" sz="900" dirty="0">
-                <a:solidFill>
-                  <a:srgbClr val="0070C0"/>
-                </a:solidFill>
-              </a:rPr>
-              <a:t> </a:t>
-            </a:r>
-            <a:r>
-              <a:rPr lang="en-US" altLang="zh-Hans" sz="900" dirty="0">
-                <a:solidFill>
-                  <a:srgbClr val="0070C0"/>
-                </a:solidFill>
-              </a:rPr>
-              <a:t>al/milk  c/healthy</a:t>
-            </a:r>
-            <a:r>
-              <a:rPr lang="en-US" sz="900" dirty="0">
-                <a:solidFill>
-                  <a:srgbClr val="0070C0"/>
-                </a:solidFill>
-              </a:rPr>
-              <a:t>”)</a:t>
-            </a:r>
-          </a:p>
-        </p:txBody>
-      </p:sp>
-      <p:cxnSp>
-        <p:nvCxnSpPr>
-          <p:cNvPr id="28" name="Straight Arrow Connector 27"/>
-          <p:cNvCxnSpPr>
-            <a:cxnSpLocks/>
-          </p:cNvCxnSpPr>
-          <p:nvPr/>
-        </p:nvCxnSpPr>
-        <p:spPr>
-          <a:xfrm flipV="1">
-            <a:off x="3975245" y="3208184"/>
-            <a:ext cx="642532" cy="1"/>
-          </a:xfrm>
-          <a:prstGeom prst="straightConnector1">
-            <a:avLst/>
-          </a:prstGeom>
-          <a:ln w="19050">
-            <a:solidFill>
-              <a:srgbClr val="0070C0"/>
-            </a:solidFill>
-            <a:tailEnd type="arrow"/>
-          </a:ln>
-        </p:spPr>
-        <p:style>
-          <a:lnRef idx="1">
-            <a:schemeClr val="accent1"/>
-          </a:lnRef>
-          <a:fillRef idx="0">
-            <a:schemeClr val="accent1"/>
-          </a:fillRef>
-          <a:effectRef idx="0">
-            <a:schemeClr val="accent1"/>
-          </a:effectRef>
-          <a:fontRef idx="minor">
-            <a:schemeClr val="tx1"/>
-          </a:fontRef>
-        </p:style>
-      </p:cxnSp>
+              <a:t>(“delete-medical-history”)</a:t>
+            </a:r>
+          </a:p>
+        </p:txBody>
+      </p:sp>
       <p:sp>
         <p:nvSpPr>
           <p:cNvPr id="29" name="TextBox 28"/>
@@ -4241,7 +4165,7 @@
         </p:nvSpPr>
         <p:spPr>
           <a:xfrm>
-            <a:off x="2503041" y="3927579"/>
+            <a:off x="2209604" y="3664755"/>
             <a:ext cx="855809" cy="153888"/>
           </a:xfrm>
           <a:prstGeom prst="rect">
@@ -4278,14 +4202,13 @@
           <p:cNvPr id="34" name="Straight Arrow Connector 33"/>
           <p:cNvCxnSpPr>
             <a:cxnSpLocks/>
-            <a:endCxn id="21" idx="2"/>
           </p:cNvCxnSpPr>
           <p:nvPr/>
         </p:nvCxnSpPr>
         <p:spPr>
           <a:xfrm>
-            <a:off x="3953139" y="3463158"/>
-            <a:ext cx="1074397" cy="0"/>
+            <a:off x="2467373" y="3071248"/>
+            <a:ext cx="1581286" cy="0"/>
           </a:xfrm>
           <a:prstGeom prst="straightConnector1">
             <a:avLst/>
@@ -4324,7 +4247,7 @@
         </p:nvCxnSpPr>
         <p:spPr>
           <a:xfrm>
-            <a:off x="1144475" y="3785793"/>
+            <a:off x="1142387" y="3491305"/>
             <a:ext cx="1172249" cy="0"/>
           </a:xfrm>
           <a:prstGeom prst="straightConnector1">
@@ -4402,17 +4325,14 @@
         </p:nvSpPr>
         <p:spPr>
           <a:xfrm>
-            <a:off x="5924175" y="3095802"/>
+            <a:off x="5146095" y="2996497"/>
             <a:ext cx="802576" cy="238408"/>
           </a:xfrm>
           <a:prstGeom prst="rect">
             <a:avLst/>
           </a:prstGeom>
           <a:solidFill>
-            <a:schemeClr val="accent4">
-              <a:lumMod val="60000"/>
-              <a:lumOff val="40000"/>
-            </a:schemeClr>
+            <a:srgbClr val="7030A0"/>
           </a:solidFill>
           <a:ln w="19050">
             <a:solidFill>
@@ -4444,12 +4364,12 @@
           <a:p>
             <a:pPr algn="ctr"/>
             <a:r>
-              <a:rPr lang="en-US" sz="1200" dirty="0" err="1">
+              <a:rPr lang="en-US" sz="1200" dirty="0">
                 <a:solidFill>
                   <a:schemeClr val="bg1"/>
                 </a:solidFill>
               </a:rPr>
-              <a:t>q:Patient</a:t>
+              <a:t>:Model</a:t>
             </a:r>
             <a:endParaRPr lang="en-SG" sz="1200" dirty="0">
               <a:solidFill>
@@ -4464,13 +4384,14 @@
           <p:cNvPr id="64" name="Straight Arrow Connector 63"/>
           <p:cNvCxnSpPr>
             <a:cxnSpLocks/>
+            <a:endCxn id="65" idx="0"/>
           </p:cNvCxnSpPr>
           <p:nvPr/>
         </p:nvCxnSpPr>
         <p:spPr>
           <a:xfrm>
-            <a:off x="1177443" y="3918885"/>
-            <a:ext cx="3752367" cy="5992"/>
+            <a:off x="1074515" y="3848780"/>
+            <a:ext cx="2940017" cy="4888"/>
           </a:xfrm>
           <a:prstGeom prst="straightConnector1">
             <a:avLst/>
@@ -4505,7 +4426,7 @@
         </p:nvSpPr>
         <p:spPr>
           <a:xfrm>
-            <a:off x="4964344" y="3880176"/>
+            <a:off x="3936335" y="3853668"/>
             <a:ext cx="156393" cy="1247838"/>
           </a:xfrm>
           <a:prstGeom prst="rect">
@@ -4553,19 +4474,16 @@
           <p:nvPr/>
         </p:nvCxnSpPr>
         <p:spPr>
-          <a:xfrm flipH="1">
-            <a:off x="7333818" y="2845589"/>
-            <a:ext cx="7494" cy="2358580"/>
+          <a:xfrm>
+            <a:off x="7099853" y="3491305"/>
+            <a:ext cx="28815" cy="1504985"/>
           </a:xfrm>
           <a:prstGeom prst="line">
             <a:avLst/>
           </a:prstGeom>
           <a:ln w="19050">
             <a:solidFill>
-              <a:schemeClr val="accent4">
-                <a:lumMod val="60000"/>
-                <a:lumOff val="40000"/>
-              </a:schemeClr>
+              <a:srgbClr val="7030A0"/>
             </a:solidFill>
             <a:prstDash val="sysDash"/>
           </a:ln>
@@ -4594,17 +4512,14 @@
         </p:nvSpPr>
         <p:spPr>
           <a:xfrm>
-            <a:off x="7253705" y="4272673"/>
-            <a:ext cx="160226" cy="272929"/>
+            <a:off x="7048554" y="4105816"/>
+            <a:ext cx="190445" cy="542384"/>
           </a:xfrm>
           <a:prstGeom prst="rect">
             <a:avLst/>
           </a:prstGeom>
           <a:solidFill>
-            <a:schemeClr val="accent4">
-              <a:lumMod val="60000"/>
-              <a:lumOff val="40000"/>
-            </a:schemeClr>
+            <a:srgbClr val="7030A0"/>
           </a:solidFill>
           <a:ln>
             <a:solidFill>
@@ -4645,44 +4560,6 @@
       </p:sp>
       <p:cxnSp>
         <p:nvCxnSpPr>
-          <p:cNvPr id="75" name="Straight Arrow Connector 74"/>
-          <p:cNvCxnSpPr>
-            <a:cxnSpLocks/>
-          </p:cNvCxnSpPr>
-          <p:nvPr/>
-        </p:nvCxnSpPr>
-        <p:spPr>
-          <a:xfrm>
-            <a:off x="5148820" y="3927579"/>
-            <a:ext cx="1023380" cy="0"/>
-          </a:xfrm>
-          <a:prstGeom prst="straightConnector1">
-            <a:avLst/>
-          </a:prstGeom>
-          <a:ln w="19050">
-            <a:solidFill>
-              <a:srgbClr val="0070C0"/>
-            </a:solidFill>
-            <a:tailEnd type="arrow"/>
-          </a:ln>
-        </p:spPr>
-        <p:style>
-          <a:lnRef idx="1">
-            <a:schemeClr val="accent1"/>
-          </a:lnRef>
-          <a:fillRef idx="0">
-            <a:schemeClr val="accent1"/>
-          </a:fillRef>
-          <a:effectRef idx="0">
-            <a:schemeClr val="accent1"/>
-          </a:effectRef>
-          <a:fontRef idx="minor">
-            <a:schemeClr val="tx1"/>
-          </a:fontRef>
-        </p:style>
-      </p:cxnSp>
-      <p:cxnSp>
-        <p:nvCxnSpPr>
           <p:cNvPr id="76" name="Straight Arrow Connector 75"/>
           <p:cNvCxnSpPr>
             <a:cxnSpLocks/>
@@ -4692,18 +4569,15 @@
         </p:nvCxnSpPr>
         <p:spPr>
           <a:xfrm>
-            <a:off x="5146095" y="4545602"/>
-            <a:ext cx="2187723" cy="0"/>
+            <a:off x="5593919" y="4633927"/>
+            <a:ext cx="1549858" cy="14273"/>
           </a:xfrm>
           <a:prstGeom prst="straightConnector1">
             <a:avLst/>
           </a:prstGeom>
           <a:ln w="19050">
             <a:solidFill>
-              <a:schemeClr val="accent4">
-                <a:lumMod val="60000"/>
-                <a:lumOff val="40000"/>
-              </a:schemeClr>
+              <a:srgbClr val="7030A0"/>
             </a:solidFill>
             <a:prstDash val="sysDash"/>
             <a:headEnd type="arrow" w="med" len="med"/>
@@ -4730,13 +4604,14 @@
           <p:cNvPr id="77" name="Straight Arrow Connector 76"/>
           <p:cNvCxnSpPr>
             <a:cxnSpLocks/>
+            <a:endCxn id="65" idx="2"/>
           </p:cNvCxnSpPr>
           <p:nvPr/>
         </p:nvCxnSpPr>
         <p:spPr>
           <a:xfrm>
             <a:off x="1157660" y="5099949"/>
-            <a:ext cx="3817174" cy="0"/>
+            <a:ext cx="2856872" cy="1557"/>
           </a:xfrm>
           <a:prstGeom prst="straightConnector1">
             <a:avLst/>
@@ -4767,14 +4642,14 @@
       </p:cxnSp>
       <p:sp>
         <p:nvSpPr>
-          <p:cNvPr id="79" name="TextBox 78"/>
+          <p:cNvPr id="80" name="TextBox 79"/>
           <p:cNvSpPr txBox="1"/>
           <p:nvPr/>
         </p:nvSpPr>
         <p:spPr>
           <a:xfrm>
-            <a:off x="2051894" y="3287391"/>
-            <a:ext cx="1773145" cy="138499"/>
+            <a:off x="1124843" y="2696247"/>
+            <a:ext cx="1138753" cy="446276"/>
           </a:xfrm>
           <a:prstGeom prst="rect">
             <a:avLst/>
@@ -4800,21 +4675,35 @@
           <a:p>
             <a:r>
               <a:rPr lang="en-US" sz="900" dirty="0"/>
-              <a:t>parse(“1 al/milk  c/healthy”)</a:t>
-            </a:r>
-          </a:p>
-        </p:txBody>
-      </p:sp>
-      <p:sp>
-        <p:nvSpPr>
-          <p:cNvPr id="80" name="TextBox 79"/>
+              <a:t>parse</a:t>
+            </a:r>
+          </a:p>
+          <a:p>
+            <a:r>
+              <a:rPr lang="en-US" sz="900" dirty="0"/>
+              <a:t>(“delete</a:t>
+            </a:r>
+            <a:r>
+              <a:rPr lang="en-US" altLang="zh-CN" sz="900" dirty="0"/>
+              <a:t>-medical-history</a:t>
+            </a:r>
+            <a:r>
+              <a:rPr lang="en-US" sz="1100" dirty="0"/>
+              <a:t>”)</a:t>
+            </a:r>
+          </a:p>
+        </p:txBody>
+      </p:sp>
+      <p:sp>
+        <p:nvSpPr>
+          <p:cNvPr id="82" name="TextBox 81"/>
           <p:cNvSpPr txBox="1"/>
           <p:nvPr/>
         </p:nvSpPr>
         <p:spPr>
           <a:xfrm>
-            <a:off x="666817" y="2696247"/>
-            <a:ext cx="1596780" cy="446276"/>
+            <a:off x="2252586" y="4917503"/>
+            <a:ext cx="621216" cy="153888"/>
           </a:xfrm>
           <a:prstGeom prst="rect">
             <a:avLst/>
@@ -4839,50 +4728,22 @@
           </a:lstStyle>
           <a:p>
             <a:r>
-              <a:rPr lang="en-US" sz="900" dirty="0"/>
-              <a:t>parse</a:t>
-            </a:r>
-          </a:p>
-          <a:p>
-            <a:r>
-              <a:rPr lang="en-US" sz="900" dirty="0"/>
-              <a:t>(“delete</a:t>
-            </a:r>
-            <a:r>
-              <a:rPr lang="en-US" altLang="zh-CN" sz="900" dirty="0"/>
-              <a:t>-medical-history</a:t>
-            </a:r>
-          </a:p>
-          <a:p>
-            <a:r>
-              <a:rPr lang="en-US" altLang="zh-Hans" sz="900" dirty="0"/>
-              <a:t>1</a:t>
-            </a:r>
-            <a:r>
-              <a:rPr lang="zh-Hans" altLang="en-US" sz="900" dirty="0"/>
-              <a:t> </a:t>
-            </a:r>
-            <a:r>
-              <a:rPr lang="en-US" altLang="zh-Hans" sz="900" dirty="0"/>
-              <a:t>al/milk  c/healthy</a:t>
-            </a:r>
-            <a:r>
-              <a:rPr lang="en-US" sz="1100" dirty="0"/>
-              <a:t>”)</a:t>
-            </a:r>
-          </a:p>
-        </p:txBody>
-      </p:sp>
-      <p:sp>
-        <p:nvSpPr>
-          <p:cNvPr id="82" name="TextBox 81"/>
+              <a:rPr lang="en-US" sz="1000" dirty="0"/>
+              <a:t>result</a:t>
+            </a:r>
+          </a:p>
+        </p:txBody>
+      </p:sp>
+      <p:sp>
+        <p:nvSpPr>
+          <p:cNvPr id="83" name="TextBox 82"/>
           <p:cNvSpPr txBox="1"/>
           <p:nvPr/>
         </p:nvSpPr>
         <p:spPr>
           <a:xfrm>
-            <a:off x="2654692" y="4906798"/>
-            <a:ext cx="621216" cy="153888"/>
+            <a:off x="-87651" y="5065670"/>
+            <a:ext cx="762000" cy="138499"/>
           </a:xfrm>
           <a:prstGeom prst="rect">
             <a:avLst/>
@@ -4907,7 +4768,7 @@
           </a:lstStyle>
           <a:p>
             <a:r>
-              <a:rPr lang="en-US" sz="1000" dirty="0"/>
+              <a:rPr lang="en-US" sz="900" dirty="0"/>
               <a:t>result</a:t>
             </a:r>
           </a:p>
@@ -4915,14 +4776,14 @@
       </p:sp>
       <p:sp>
         <p:nvSpPr>
-          <p:cNvPr id="83" name="TextBox 82"/>
+          <p:cNvPr id="93" name="TextBox 92"/>
           <p:cNvSpPr txBox="1"/>
           <p:nvPr/>
         </p:nvSpPr>
         <p:spPr>
           <a:xfrm>
-            <a:off x="-87651" y="5065670"/>
-            <a:ext cx="762000" cy="138499"/>
+            <a:off x="1631870" y="3293104"/>
+            <a:ext cx="220343" cy="138499"/>
           </a:xfrm>
           <a:prstGeom prst="rect">
             <a:avLst/>
@@ -4948,68 +4809,23 @@
           <a:p>
             <a:r>
               <a:rPr lang="en-US" sz="900" dirty="0"/>
-              <a:t>result</a:t>
-            </a:r>
-          </a:p>
-        </p:txBody>
-      </p:sp>
-      <p:sp>
-        <p:nvSpPr>
-          <p:cNvPr id="86" name="Rectangle 85"/>
-          <p:cNvSpPr/>
-          <p:nvPr/>
-        </p:nvSpPr>
-        <p:spPr>
-          <a:xfrm>
-            <a:off x="5948363" y="4956638"/>
-            <a:ext cx="152400" cy="171376"/>
-          </a:xfrm>
-          <a:prstGeom prst="rect">
-            <a:avLst/>
-          </a:prstGeom>
-          <a:solidFill>
-            <a:srgbClr val="0070C0"/>
-          </a:solidFill>
-          <a:ln>
-            <a:solidFill>
-              <a:srgbClr val="0070C0"/>
-            </a:solidFill>
-          </a:ln>
-          <a:effectLst/>
-        </p:spPr>
-        <p:style>
-          <a:lnRef idx="1">
-            <a:schemeClr val="accent3"/>
-          </a:lnRef>
-          <a:fillRef idx="2">
-            <a:schemeClr val="accent3"/>
-          </a:fillRef>
-          <a:effectRef idx="1">
-            <a:schemeClr val="accent3"/>
-          </a:effectRef>
-          <a:fontRef idx="minor">
-            <a:schemeClr val="dk1"/>
-          </a:fontRef>
-        </p:style>
-        <p:txBody>
-          <a:bodyPr rtlCol="0" anchor="ctr"/>
-          <a:lstStyle/>
-          <a:p>
-            <a:pPr algn="ctr"/>
-            <a:endParaRPr lang="en-SG" sz="1400"/>
+              <a:t>d</a:t>
+            </a:r>
           </a:p>
         </p:txBody>
       </p:sp>
       <p:cxnSp>
         <p:nvCxnSpPr>
-          <p:cNvPr id="90" name="Straight Arrow Connector 89"/>
-          <p:cNvCxnSpPr/>
+          <p:cNvPr id="50" name="Straight Arrow Connector 49"/>
+          <p:cNvCxnSpPr>
+            <a:cxnSpLocks/>
+          </p:cNvCxnSpPr>
           <p:nvPr/>
         </p:nvCxnSpPr>
         <p:spPr>
-          <a:xfrm>
-            <a:off x="5120737" y="5099949"/>
-            <a:ext cx="966624" cy="0"/>
+          <a:xfrm flipV="1">
+            <a:off x="2489365" y="2721573"/>
+            <a:ext cx="1003070" cy="3703"/>
           </a:xfrm>
           <a:prstGeom prst="straightConnector1">
             <a:avLst/>
@@ -5018,325 +4834,7 @@
             <a:solidFill>
               <a:srgbClr val="0070C0"/>
             </a:solidFill>
-            <a:prstDash val="sysDash"/>
-            <a:headEnd type="arrow" w="med" len="med"/>
-            <a:tailEnd type="none" w="med" len="med"/>
-          </a:ln>
-        </p:spPr>
-        <p:style>
-          <a:lnRef idx="1">
-            <a:schemeClr val="accent1"/>
-          </a:lnRef>
-          <a:fillRef idx="0">
-            <a:schemeClr val="accent1"/>
-          </a:fillRef>
-          <a:effectRef idx="0">
-            <a:schemeClr val="accent1"/>
-          </a:effectRef>
-          <a:fontRef idx="minor">
-            <a:schemeClr val="tx1"/>
-          </a:fontRef>
-        </p:style>
-      </p:cxnSp>
-      <p:sp>
-        <p:nvSpPr>
-          <p:cNvPr id="93" name="TextBox 92"/>
-          <p:cNvSpPr txBox="1"/>
-          <p:nvPr/>
-        </p:nvSpPr>
-        <p:spPr>
-          <a:xfrm>
-            <a:off x="1620659" y="3619497"/>
-            <a:ext cx="220343" cy="138499"/>
-          </a:xfrm>
-          <a:prstGeom prst="rect">
-            <a:avLst/>
-          </a:prstGeom>
-          <a:noFill/>
-        </p:spPr>
-        <p:txBody>
-          <a:bodyPr wrap="square" lIns="0" tIns="0" rIns="0" bIns="0" rtlCol="0">
-            <a:spAutoFit/>
-          </a:bodyPr>
-          <a:lstStyle>
-            <a:defPPr>
-              <a:defRPr lang="en-US"/>
-            </a:defPPr>
-            <a:lvl1pPr algn="r">
-              <a:defRPr sz="1400">
-                <a:solidFill>
-                  <a:srgbClr val="0070C0"/>
-                </a:solidFill>
-              </a:defRPr>
-            </a:lvl1pPr>
-          </a:lstStyle>
-          <a:p>
-            <a:r>
-              <a:rPr lang="en-US" sz="900" dirty="0"/>
-              <a:t>d</a:t>
-            </a:r>
-          </a:p>
-        </p:txBody>
-      </p:sp>
-      <p:sp>
-        <p:nvSpPr>
-          <p:cNvPr id="40" name="Rectangle 62"/>
-          <p:cNvSpPr/>
-          <p:nvPr/>
-        </p:nvSpPr>
-        <p:spPr>
-          <a:xfrm>
-            <a:off x="3171911" y="2377216"/>
-            <a:ext cx="1378279" cy="536077"/>
-          </a:xfrm>
-          <a:prstGeom prst="rect">
-            <a:avLst/>
-          </a:prstGeom>
-          <a:solidFill>
-            <a:srgbClr val="0070C0"/>
-          </a:solidFill>
-          <a:ln w="19050">
-            <a:solidFill>
-              <a:srgbClr val="0070C0"/>
-            </a:solidFill>
-          </a:ln>
-          <a:effectLst/>
-        </p:spPr>
-        <p:style>
-          <a:lnRef idx="1">
-            <a:schemeClr val="accent2"/>
-          </a:lnRef>
-          <a:fillRef idx="2">
-            <a:schemeClr val="accent2"/>
-          </a:fillRef>
-          <a:effectRef idx="1">
-            <a:schemeClr val="accent2"/>
-          </a:effectRef>
-          <a:fontRef idx="minor">
-            <a:schemeClr val="dk1"/>
-          </a:fontRef>
-        </p:style>
-        <p:txBody>
-          <a:bodyPr rtlCol="0" anchor="ctr"/>
-          <a:lstStyle/>
-          <a:p>
-            <a:pPr algn="ctr"/>
-            <a:r>
-              <a:rPr lang="en-US" sz="1200" dirty="0">
-                <a:solidFill>
-                  <a:schemeClr val="bg1"/>
-                </a:solidFill>
-              </a:rPr>
-              <a:t>:</a:t>
-            </a:r>
-            <a:r>
-              <a:rPr lang="en-US" sz="1200" dirty="0" err="1">
-                <a:solidFill>
-                  <a:schemeClr val="bg1"/>
-                </a:solidFill>
-              </a:rPr>
-              <a:t>DeleteMedicalHisoyCommandParser</a:t>
-            </a:r>
-            <a:endParaRPr lang="en-SG" sz="1200" dirty="0">
-              <a:solidFill>
-                <a:schemeClr val="bg1"/>
-              </a:solidFill>
-            </a:endParaRPr>
-          </a:p>
-        </p:txBody>
-      </p:sp>
-      <p:cxnSp>
-        <p:nvCxnSpPr>
-          <p:cNvPr id="8" name="Straight Arrow Connector 7"/>
-          <p:cNvCxnSpPr>
-            <a:cxnSpLocks/>
-          </p:cNvCxnSpPr>
-          <p:nvPr/>
-        </p:nvCxnSpPr>
-        <p:spPr>
-          <a:xfrm>
-            <a:off x="2492115" y="3260080"/>
-            <a:ext cx="1314300" cy="0"/>
-          </a:xfrm>
-          <a:prstGeom prst="straightConnector1">
-            <a:avLst/>
-          </a:prstGeom>
-          <a:ln w="19050">
-            <a:headEnd type="none" w="med" len="med"/>
-            <a:tailEnd type="arrow" w="med" len="med"/>
-          </a:ln>
-        </p:spPr>
-        <p:style>
-          <a:lnRef idx="1">
-            <a:schemeClr val="accent1"/>
-          </a:lnRef>
-          <a:fillRef idx="0">
-            <a:schemeClr val="accent1"/>
-          </a:fillRef>
-          <a:effectRef idx="0">
-            <a:schemeClr val="accent1"/>
-          </a:effectRef>
-          <a:fontRef idx="minor">
-            <a:schemeClr val="tx1"/>
-          </a:fontRef>
-        </p:style>
-      </p:cxnSp>
-      <p:sp>
-        <p:nvSpPr>
-          <p:cNvPr id="45" name="Rectangle 44"/>
-          <p:cNvSpPr/>
-          <p:nvPr/>
-        </p:nvSpPr>
-        <p:spPr>
-          <a:xfrm>
-            <a:off x="3766621" y="2900291"/>
-            <a:ext cx="205843" cy="123165"/>
-          </a:xfrm>
-          <a:prstGeom prst="rect">
-            <a:avLst/>
-          </a:prstGeom>
-          <a:solidFill>
-            <a:srgbClr val="0070C0"/>
-          </a:solidFill>
-          <a:ln>
-            <a:solidFill>
-              <a:srgbClr val="0070C0"/>
-            </a:solidFill>
-          </a:ln>
-          <a:effectLst/>
-        </p:spPr>
-        <p:style>
-          <a:lnRef idx="1">
-            <a:schemeClr val="accent3"/>
-          </a:lnRef>
-          <a:fillRef idx="2">
-            <a:schemeClr val="accent3"/>
-          </a:fillRef>
-          <a:effectRef idx="1">
-            <a:schemeClr val="accent3"/>
-          </a:effectRef>
-          <a:fontRef idx="minor">
-            <a:schemeClr val="dk1"/>
-          </a:fontRef>
-        </p:style>
-        <p:txBody>
-          <a:bodyPr rtlCol="0" anchor="ctr"/>
-          <a:lstStyle/>
-          <a:p>
-            <a:pPr algn="ctr"/>
-            <a:endParaRPr lang="en-SG" sz="1400" dirty="0"/>
-          </a:p>
-        </p:txBody>
-      </p:sp>
-      <p:cxnSp>
-        <p:nvCxnSpPr>
-          <p:cNvPr id="46" name="Straight Connector 45"/>
-          <p:cNvCxnSpPr>
-            <a:cxnSpLocks/>
-          </p:cNvCxnSpPr>
-          <p:nvPr/>
-        </p:nvCxnSpPr>
-        <p:spPr>
-          <a:xfrm flipH="1">
-            <a:off x="3865514" y="3037187"/>
-            <a:ext cx="15297" cy="748606"/>
-          </a:xfrm>
-          <a:prstGeom prst="line">
-            <a:avLst/>
-          </a:prstGeom>
-          <a:ln w="19050">
-            <a:solidFill>
-              <a:srgbClr val="0070C0"/>
-            </a:solidFill>
-            <a:prstDash val="sysDash"/>
-          </a:ln>
-          <a:effectLst/>
-        </p:spPr>
-        <p:style>
-          <a:lnRef idx="1">
-            <a:schemeClr val="accent1"/>
-          </a:lnRef>
-          <a:fillRef idx="2">
-            <a:schemeClr val="accent1"/>
-          </a:fillRef>
-          <a:effectRef idx="1">
-            <a:schemeClr val="accent1"/>
-          </a:effectRef>
-          <a:fontRef idx="minor">
-            <a:schemeClr val="dk1"/>
-          </a:fontRef>
-        </p:style>
-      </p:cxnSp>
-      <p:sp>
-        <p:nvSpPr>
-          <p:cNvPr id="49" name="Rectangle 48"/>
-          <p:cNvSpPr/>
-          <p:nvPr/>
-        </p:nvSpPr>
-        <p:spPr>
-          <a:xfrm>
-            <a:off x="3777890" y="3181973"/>
-            <a:ext cx="175249" cy="469929"/>
-          </a:xfrm>
-          <a:prstGeom prst="rect">
-            <a:avLst/>
-          </a:prstGeom>
-          <a:solidFill>
-            <a:srgbClr val="0070C0"/>
-          </a:solidFill>
-          <a:ln>
-            <a:solidFill>
-              <a:srgbClr val="0070C0"/>
-            </a:solidFill>
-          </a:ln>
-          <a:effectLst/>
-        </p:spPr>
-        <p:style>
-          <a:lnRef idx="1">
-            <a:schemeClr val="accent3"/>
-          </a:lnRef>
-          <a:fillRef idx="2">
-            <a:schemeClr val="accent3"/>
-          </a:fillRef>
-          <a:effectRef idx="1">
-            <a:schemeClr val="accent3"/>
-          </a:effectRef>
-          <a:fontRef idx="minor">
-            <a:schemeClr val="dk1"/>
-          </a:fontRef>
-        </p:style>
-        <p:txBody>
-          <a:bodyPr rtlCol="0" anchor="ctr"/>
-          <a:lstStyle/>
-          <a:p>
-            <a:pPr algn="ctr"/>
-            <a:endParaRPr lang="en-SG" sz="1400"/>
-          </a:p>
-        </p:txBody>
-      </p:sp>
-      <p:cxnSp>
-        <p:nvCxnSpPr>
-          <p:cNvPr id="51" name="Straight Arrow Connector 50"/>
-          <p:cNvCxnSpPr>
-            <a:cxnSpLocks/>
-          </p:cNvCxnSpPr>
-          <p:nvPr/>
-        </p:nvCxnSpPr>
-        <p:spPr>
-          <a:xfrm>
-            <a:off x="2488372" y="3632837"/>
-            <a:ext cx="1278249" cy="0"/>
-          </a:xfrm>
-          <a:prstGeom prst="straightConnector1">
-            <a:avLst/>
-          </a:prstGeom>
-          <a:ln w="19050">
-            <a:solidFill>
-              <a:srgbClr val="0070C0"/>
-            </a:solidFill>
-            <a:prstDash val="sysDash"/>
-            <a:headEnd type="arrow" w="med" len="med"/>
-            <a:tailEnd type="none" w="med" len="med"/>
+            <a:tailEnd type="arrow"/>
           </a:ln>
         </p:spPr>
         <p:style>
@@ -5356,21 +4854,138 @@
       </p:cxnSp>
       <p:cxnSp>
         <p:nvCxnSpPr>
-          <p:cNvPr id="13" name="Straight Arrow Connector 12"/>
-          <p:cNvCxnSpPr/>
+          <p:cNvPr id="74" name="Straight Connector 70">
+            <a:extLst>
+              <a:ext uri="{FF2B5EF4-FFF2-40B4-BE49-F238E27FC236}">
+                <a16:creationId xmlns:a16="http://schemas.microsoft.com/office/drawing/2014/main" id="{3C5E4B8D-C49A-FF4C-B2DF-24E2514AB45D}"/>
+              </a:ext>
+            </a:extLst>
+          </p:cNvPr>
+          <p:cNvCxnSpPr>
+            <a:cxnSpLocks/>
+          </p:cNvCxnSpPr>
           <p:nvPr/>
         </p:nvCxnSpPr>
         <p:spPr>
           <a:xfrm>
-            <a:off x="5154636" y="4739582"/>
-            <a:ext cx="162246" cy="0"/>
+            <a:off x="5549721" y="3234905"/>
+            <a:ext cx="0" cy="1635994"/>
+          </a:xfrm>
+          <a:prstGeom prst="line">
+            <a:avLst/>
+          </a:prstGeom>
+          <a:ln w="19050">
+            <a:solidFill>
+              <a:srgbClr val="7030A0"/>
+            </a:solidFill>
+            <a:prstDash val="sysDash"/>
+          </a:ln>
+          <a:effectLst/>
+        </p:spPr>
+        <p:style>
+          <a:lnRef idx="1">
+            <a:schemeClr val="accent1"/>
+          </a:lnRef>
+          <a:fillRef idx="2">
+            <a:schemeClr val="accent1"/>
+          </a:fillRef>
+          <a:effectRef idx="1">
+            <a:schemeClr val="accent1"/>
+          </a:effectRef>
+          <a:fontRef idx="minor">
+            <a:schemeClr val="dk1"/>
+          </a:fontRef>
+        </p:style>
+      </p:cxnSp>
+      <p:sp>
+        <p:nvSpPr>
+          <p:cNvPr id="85" name="Rectangle 72">
+            <a:extLst>
+              <a:ext uri="{FF2B5EF4-FFF2-40B4-BE49-F238E27FC236}">
+                <a16:creationId xmlns:a16="http://schemas.microsoft.com/office/drawing/2014/main" id="{3A77499D-19EC-794E-A5C5-26EFCB5ED155}"/>
+              </a:ext>
+            </a:extLst>
+          </p:cNvPr>
+          <p:cNvSpPr/>
+          <p:nvPr/>
+        </p:nvSpPr>
+        <p:spPr>
+          <a:xfrm>
+            <a:off x="5475014" y="3961028"/>
+            <a:ext cx="169298" cy="687172"/>
+          </a:xfrm>
+          <a:prstGeom prst="rect">
+            <a:avLst/>
+          </a:prstGeom>
+          <a:solidFill>
+            <a:srgbClr val="7030A0"/>
+          </a:solidFill>
+          <a:ln>
+            <a:solidFill>
+              <a:schemeClr val="accent4">
+                <a:lumMod val="60000"/>
+                <a:lumOff val="40000"/>
+              </a:schemeClr>
+            </a:solidFill>
+          </a:ln>
+          <a:effectLst/>
+        </p:spPr>
+        <p:style>
+          <a:lnRef idx="1">
+            <a:schemeClr val="accent3"/>
+          </a:lnRef>
+          <a:fillRef idx="2">
+            <a:schemeClr val="accent3"/>
+          </a:fillRef>
+          <a:effectRef idx="1">
+            <a:schemeClr val="accent3"/>
+          </a:effectRef>
+          <a:fontRef idx="minor">
+            <a:schemeClr val="dk1"/>
+          </a:fontRef>
+        </p:style>
+        <p:txBody>
+          <a:bodyPr rtlCol="0" anchor="ctr"/>
+          <a:lstStyle/>
+          <a:p>
+            <a:pPr algn="ctr"/>
+            <a:endParaRPr lang="en-SG" sz="1400">
+              <a:solidFill>
+                <a:schemeClr val="dk1"/>
+              </a:solidFill>
+            </a:endParaRPr>
+          </a:p>
+        </p:txBody>
+      </p:sp>
+      <p:cxnSp>
+        <p:nvCxnSpPr>
+          <p:cNvPr id="87" name="Straight Arrow Connector 75">
+            <a:extLst>
+              <a:ext uri="{FF2B5EF4-FFF2-40B4-BE49-F238E27FC236}">
+                <a16:creationId xmlns:a16="http://schemas.microsoft.com/office/drawing/2014/main" id="{7CF7ECA5-86DB-CF42-9365-87754163FDB3}"/>
+              </a:ext>
+            </a:extLst>
+          </p:cNvPr>
+          <p:cNvCxnSpPr>
+            <a:cxnSpLocks/>
+          </p:cNvCxnSpPr>
+          <p:nvPr/>
+        </p:nvCxnSpPr>
+        <p:spPr>
+          <a:xfrm>
+            <a:off x="4127643" y="4648200"/>
+            <a:ext cx="1342310" cy="0"/>
           </a:xfrm>
           <a:prstGeom prst="straightConnector1">
             <a:avLst/>
           </a:prstGeom>
           <a:ln w="19050">
-            <a:headEnd type="none" w="med" len="med"/>
-            <a:tailEnd type="arrow" w="med" len="med"/>
+            <a:solidFill>
+              <a:srgbClr val="7030A0"/>
+            </a:solidFill>
+            <a:prstDash val="sysDash"/>
+            <a:headEnd type="arrow" w="med" len="med"/>
+            <a:tailEnd type="none" w="med" len="med"/>
           </a:ln>
         </p:spPr>
         <p:style>
@@ -5388,9 +5003,91 @@
           </a:fontRef>
         </p:style>
       </p:cxnSp>
+      <p:sp>
+        <p:nvSpPr>
+          <p:cNvPr id="88" name="Rectangle 62">
+            <a:extLst>
+              <a:ext uri="{FF2B5EF4-FFF2-40B4-BE49-F238E27FC236}">
+                <a16:creationId xmlns:a16="http://schemas.microsoft.com/office/drawing/2014/main" id="{F7BA9BAF-B03F-A340-B807-FCD99F49A49E}"/>
+              </a:ext>
+            </a:extLst>
+          </p:cNvPr>
+          <p:cNvSpPr/>
+          <p:nvPr/>
+        </p:nvSpPr>
+        <p:spPr>
+          <a:xfrm>
+            <a:off x="6238632" y="3269557"/>
+            <a:ext cx="1762368" cy="229164"/>
+          </a:xfrm>
+          <a:prstGeom prst="rect">
+            <a:avLst/>
+          </a:prstGeom>
+          <a:solidFill>
+            <a:srgbClr val="7030A0"/>
+          </a:solidFill>
+          <a:ln w="19050">
+            <a:solidFill>
+              <a:schemeClr val="accent4">
+                <a:lumMod val="60000"/>
+                <a:lumOff val="40000"/>
+              </a:schemeClr>
+            </a:solidFill>
+          </a:ln>
+          <a:effectLst/>
+        </p:spPr>
+        <p:style>
+          <a:lnRef idx="1">
+            <a:schemeClr val="accent2"/>
+          </a:lnRef>
+          <a:fillRef idx="2">
+            <a:schemeClr val="accent2"/>
+          </a:fillRef>
+          <a:effectRef idx="1">
+            <a:schemeClr val="accent2"/>
+          </a:effectRef>
+          <a:fontRef idx="minor">
+            <a:schemeClr val="dk1"/>
+          </a:fontRef>
+        </p:style>
+        <p:txBody>
+          <a:bodyPr rtlCol="0" anchor="ctr"/>
+          <a:lstStyle/>
+          <a:p>
+            <a:pPr algn="ctr"/>
+            <a:r>
+              <a:rPr lang="en-US" sz="1200" dirty="0">
+                <a:solidFill>
+                  <a:schemeClr val="bg1"/>
+                </a:solidFill>
+              </a:rPr>
+              <a:t>:</a:t>
+            </a:r>
+            <a:r>
+              <a:rPr lang="en-US" sz="1200" dirty="0" err="1">
+                <a:solidFill>
+                  <a:schemeClr val="bg1"/>
+                </a:solidFill>
+              </a:rPr>
+              <a:t>VersionedAddressBook</a:t>
+            </a:r>
+            <a:endParaRPr lang="en-SG" sz="1200" dirty="0">
+              <a:solidFill>
+                <a:schemeClr val="bg1"/>
+              </a:solidFill>
+            </a:endParaRPr>
+          </a:p>
+        </p:txBody>
+      </p:sp>
       <p:cxnSp>
         <p:nvCxnSpPr>
-          <p:cNvPr id="50" name="Straight Arrow Connector 49"/>
+          <p:cNvPr id="91" name="Straight Arrow Connector 74">
+            <a:extLst>
+              <a:ext uri="{FF2B5EF4-FFF2-40B4-BE49-F238E27FC236}">
+                <a16:creationId xmlns:a16="http://schemas.microsoft.com/office/drawing/2014/main" id="{C03ABABB-0272-4C4A-9E08-568D3C87CA72}"/>
+              </a:ext>
+            </a:extLst>
+          </p:cNvPr>
           <p:cNvCxnSpPr>
             <a:cxnSpLocks/>
           </p:cNvCxnSpPr>
@@ -5398,8 +5095,8 @@
         </p:nvCxnSpPr>
         <p:spPr>
           <a:xfrm flipV="1">
-            <a:off x="2499663" y="2708960"/>
-            <a:ext cx="653044" cy="7406"/>
+            <a:off x="4092728" y="3982651"/>
+            <a:ext cx="1412140" cy="4041"/>
           </a:xfrm>
           <a:prstGeom prst="straightConnector1">
             <a:avLst/>
@@ -5426,29 +5123,179 @@
           </a:fontRef>
         </p:style>
       </p:cxnSp>
+      <p:sp>
+        <p:nvSpPr>
+          <p:cNvPr id="78" name="TextBox 77"/>
+          <p:cNvSpPr txBox="1"/>
+          <p:nvPr/>
+        </p:nvSpPr>
+        <p:spPr>
+          <a:xfrm>
+            <a:off x="5285947" y="3982650"/>
+            <a:ext cx="1424846" cy="138499"/>
+          </a:xfrm>
+          <a:prstGeom prst="rect">
+            <a:avLst/>
+          </a:prstGeom>
+          <a:noFill/>
+        </p:spPr>
+        <p:txBody>
+          <a:bodyPr wrap="square" lIns="0" tIns="0" rIns="0" bIns="0" rtlCol="0">
+            <a:spAutoFit/>
+          </a:bodyPr>
+          <a:lstStyle>
+            <a:defPPr>
+              <a:defRPr lang="en-US"/>
+            </a:defPPr>
+            <a:lvl1pPr algn="r">
+              <a:defRPr sz="1400">
+                <a:solidFill>
+                  <a:srgbClr val="0070C0"/>
+                </a:solidFill>
+              </a:defRPr>
+            </a:lvl1pPr>
+          </a:lstStyle>
+          <a:p>
+            <a:r>
+              <a:rPr lang="en-US" sz="900" dirty="0" err="1">
+                <a:solidFill>
+                  <a:srgbClr val="7030A0"/>
+                </a:solidFill>
+              </a:rPr>
+              <a:t>updatePerson</a:t>
+            </a:r>
+            <a:r>
+              <a:rPr lang="en-US" sz="900" dirty="0">
+                <a:solidFill>
+                  <a:srgbClr val="7030A0"/>
+                </a:solidFill>
+              </a:rPr>
+              <a:t>()</a:t>
+            </a:r>
+          </a:p>
+        </p:txBody>
+      </p:sp>
+      <p:sp>
+        <p:nvSpPr>
+          <p:cNvPr id="31" name="文本框 30">
+            <a:extLst>
+              <a:ext uri="{FF2B5EF4-FFF2-40B4-BE49-F238E27FC236}">
+                <a16:creationId xmlns:a16="http://schemas.microsoft.com/office/drawing/2014/main" id="{1B166261-5179-6145-975B-323EE9E07073}"/>
+              </a:ext>
+            </a:extLst>
+          </p:cNvPr>
+          <p:cNvSpPr txBox="1"/>
+          <p:nvPr/>
+        </p:nvSpPr>
+        <p:spPr>
+          <a:xfrm>
+            <a:off x="3919876" y="5183673"/>
+            <a:ext cx="229497" cy="276999"/>
+          </a:xfrm>
+          <a:prstGeom prst="rect">
+            <a:avLst/>
+          </a:prstGeom>
+          <a:noFill/>
+        </p:spPr>
+        <p:txBody>
+          <a:bodyPr wrap="square" rtlCol="0">
+            <a:spAutoFit/>
+          </a:bodyPr>
+          <a:lstStyle/>
+          <a:p>
+            <a:r>
+              <a:rPr kumimoji="1" lang="en-US" altLang="zh-CN" sz="1200" dirty="0"/>
+              <a:t>x</a:t>
+            </a:r>
+            <a:endParaRPr kumimoji="1" lang="zh-CN" altLang="en-US" sz="1200" dirty="0"/>
+          </a:p>
+        </p:txBody>
+      </p:sp>
+      <p:sp>
+        <p:nvSpPr>
+          <p:cNvPr id="92" name="TextBox 77">
+            <a:extLst>
+              <a:ext uri="{FF2B5EF4-FFF2-40B4-BE49-F238E27FC236}">
+                <a16:creationId xmlns:a16="http://schemas.microsoft.com/office/drawing/2014/main" id="{908E0C94-4DD7-9B4B-B4B1-4E8171BBD388}"/>
+              </a:ext>
+            </a:extLst>
+          </p:cNvPr>
+          <p:cNvSpPr txBox="1"/>
+          <p:nvPr/>
+        </p:nvSpPr>
+        <p:spPr>
+          <a:xfrm>
+            <a:off x="3853569" y="3808612"/>
+            <a:ext cx="1424846" cy="138499"/>
+          </a:xfrm>
+          <a:prstGeom prst="rect">
+            <a:avLst/>
+          </a:prstGeom>
+          <a:noFill/>
+        </p:spPr>
+        <p:txBody>
+          <a:bodyPr wrap="square" lIns="0" tIns="0" rIns="0" bIns="0" rtlCol="0">
+            <a:spAutoFit/>
+          </a:bodyPr>
+          <a:lstStyle>
+            <a:defPPr>
+              <a:defRPr lang="en-US"/>
+            </a:defPPr>
+            <a:lvl1pPr algn="r">
+              <a:defRPr sz="1400">
+                <a:solidFill>
+                  <a:srgbClr val="0070C0"/>
+                </a:solidFill>
+              </a:defRPr>
+            </a:lvl1pPr>
+          </a:lstStyle>
+          <a:p>
+            <a:r>
+              <a:rPr lang="en-US" sz="900" dirty="0" err="1">
+                <a:solidFill>
+                  <a:srgbClr val="7030A0"/>
+                </a:solidFill>
+              </a:rPr>
+              <a:t>updatePerson</a:t>
+            </a:r>
+            <a:r>
+              <a:rPr lang="en-US" sz="900" dirty="0">
+                <a:solidFill>
+                  <a:srgbClr val="7030A0"/>
+                </a:solidFill>
+              </a:rPr>
+              <a:t>()</a:t>
+            </a:r>
+          </a:p>
+        </p:txBody>
+      </p:sp>
       <p:cxnSp>
         <p:nvCxnSpPr>
-          <p:cNvPr id="52" name="Straight Arrow Connector 51"/>
+          <p:cNvPr id="94" name="Straight Arrow Connector 74">
+            <a:extLst>
+              <a:ext uri="{FF2B5EF4-FFF2-40B4-BE49-F238E27FC236}">
+                <a16:creationId xmlns:a16="http://schemas.microsoft.com/office/drawing/2014/main" id="{F263436B-ECEB-2842-BF86-696CE57817BF}"/>
+              </a:ext>
+            </a:extLst>
+          </p:cNvPr>
           <p:cNvCxnSpPr>
             <a:cxnSpLocks/>
           </p:cNvCxnSpPr>
           <p:nvPr/>
         </p:nvCxnSpPr>
         <p:spPr>
-          <a:xfrm>
-            <a:off x="2468443" y="3024687"/>
-            <a:ext cx="1298178" cy="12500"/>
+          <a:xfrm flipV="1">
+            <a:off x="5640364" y="4144975"/>
+            <a:ext cx="1412140" cy="4041"/>
           </a:xfrm>
           <a:prstGeom prst="straightConnector1">
             <a:avLst/>
           </a:prstGeom>
           <a:ln w="19050">
             <a:solidFill>
-              <a:srgbClr val="0070C0"/>
+              <a:srgbClr val="7030A0"/>
             </a:solidFill>
-            <a:prstDash val="sysDash"/>
-            <a:headEnd type="arrow" w="med" len="med"/>
-            <a:tailEnd type="none" w="med" len="med"/>
+            <a:tailEnd type="arrow"/>
           </a:ln>
         </p:spPr>
         <p:style>
@@ -5466,488 +5313,10 @@
           </a:fontRef>
         </p:style>
       </p:cxnSp>
-      <p:sp>
-        <p:nvSpPr>
-          <p:cNvPr id="4" name="TextBox 3"/>
-          <p:cNvSpPr txBox="1"/>
-          <p:nvPr/>
-        </p:nvSpPr>
-        <p:spPr>
-          <a:xfrm>
-            <a:off x="3741553" y="3663267"/>
-            <a:ext cx="278515" cy="261610"/>
-          </a:xfrm>
-          <a:prstGeom prst="rect">
-            <a:avLst/>
-          </a:prstGeom>
-          <a:noFill/>
-        </p:spPr>
-        <p:txBody>
-          <a:bodyPr wrap="square" rtlCol="0">
-            <a:spAutoFit/>
-          </a:bodyPr>
-          <a:lstStyle/>
-          <a:p>
-            <a:r>
-              <a:rPr lang="en-SG" sz="1100" dirty="0">
-                <a:solidFill>
-                  <a:srgbClr val="002060"/>
-                </a:solidFill>
-              </a:rPr>
-              <a:t>X</a:t>
-            </a:r>
-          </a:p>
-        </p:txBody>
-      </p:sp>
-      <p:cxnSp>
-        <p:nvCxnSpPr>
-          <p:cNvPr id="74" name="Straight Connector 70">
-            <a:extLst>
-              <a:ext uri="{FF2B5EF4-FFF2-40B4-BE49-F238E27FC236}">
-                <a16:creationId xmlns:a16="http://schemas.microsoft.com/office/drawing/2014/main" id="{3C5E4B8D-C49A-FF4C-B2DF-24E2514AB45D}"/>
-              </a:ext>
-            </a:extLst>
-          </p:cNvPr>
-          <p:cNvCxnSpPr>
-            <a:cxnSpLocks/>
-          </p:cNvCxnSpPr>
-          <p:nvPr/>
-        </p:nvCxnSpPr>
-        <p:spPr>
-          <a:xfrm>
-            <a:off x="6286336" y="3334211"/>
-            <a:ext cx="0" cy="1635994"/>
-          </a:xfrm>
-          <a:prstGeom prst="line">
-            <a:avLst/>
-          </a:prstGeom>
-          <a:ln w="19050">
-            <a:solidFill>
-              <a:schemeClr val="accent4">
-                <a:lumMod val="60000"/>
-                <a:lumOff val="40000"/>
-              </a:schemeClr>
-            </a:solidFill>
-            <a:prstDash val="sysDash"/>
-          </a:ln>
-          <a:effectLst/>
-        </p:spPr>
-        <p:style>
-          <a:lnRef idx="1">
-            <a:schemeClr val="accent1"/>
-          </a:lnRef>
-          <a:fillRef idx="2">
-            <a:schemeClr val="accent1"/>
-          </a:fillRef>
-          <a:effectRef idx="1">
-            <a:schemeClr val="accent1"/>
-          </a:effectRef>
-          <a:fontRef idx="minor">
-            <a:schemeClr val="dk1"/>
-          </a:fontRef>
-        </p:style>
-      </p:cxnSp>
-      <p:sp>
-        <p:nvSpPr>
-          <p:cNvPr id="85" name="Rectangle 72">
-            <a:extLst>
-              <a:ext uri="{FF2B5EF4-FFF2-40B4-BE49-F238E27FC236}">
-                <a16:creationId xmlns:a16="http://schemas.microsoft.com/office/drawing/2014/main" id="{3A77499D-19EC-794E-A5C5-26EFCB5ED155}"/>
-              </a:ext>
-            </a:extLst>
-          </p:cNvPr>
-          <p:cNvSpPr/>
-          <p:nvPr/>
-        </p:nvSpPr>
-        <p:spPr>
-          <a:xfrm>
-            <a:off x="6179208" y="3887158"/>
-            <a:ext cx="163540" cy="303842"/>
-          </a:xfrm>
-          <a:prstGeom prst="rect">
-            <a:avLst/>
-          </a:prstGeom>
-          <a:solidFill>
-            <a:schemeClr val="accent4">
-              <a:lumMod val="60000"/>
-              <a:lumOff val="40000"/>
-            </a:schemeClr>
-          </a:solidFill>
-          <a:ln>
-            <a:solidFill>
-              <a:schemeClr val="accent4">
-                <a:lumMod val="60000"/>
-                <a:lumOff val="40000"/>
-              </a:schemeClr>
-            </a:solidFill>
-          </a:ln>
-          <a:effectLst/>
-        </p:spPr>
-        <p:style>
-          <a:lnRef idx="1">
-            <a:schemeClr val="accent3"/>
-          </a:lnRef>
-          <a:fillRef idx="2">
-            <a:schemeClr val="accent3"/>
-          </a:fillRef>
-          <a:effectRef idx="1">
-            <a:schemeClr val="accent3"/>
-          </a:effectRef>
-          <a:fontRef idx="minor">
-            <a:schemeClr val="dk1"/>
-          </a:fontRef>
-        </p:style>
-        <p:txBody>
-          <a:bodyPr rtlCol="0" anchor="ctr"/>
-          <a:lstStyle/>
-          <a:p>
-            <a:pPr algn="ctr"/>
-            <a:endParaRPr lang="en-SG" sz="1400">
-              <a:solidFill>
-                <a:schemeClr val="dk1"/>
-              </a:solidFill>
-            </a:endParaRPr>
-          </a:p>
-        </p:txBody>
-      </p:sp>
-      <p:cxnSp>
-        <p:nvCxnSpPr>
-          <p:cNvPr id="87" name="Straight Arrow Connector 75">
-            <a:extLst>
-              <a:ext uri="{FF2B5EF4-FFF2-40B4-BE49-F238E27FC236}">
-                <a16:creationId xmlns:a16="http://schemas.microsoft.com/office/drawing/2014/main" id="{7CF7ECA5-86DB-CF42-9365-87754163FDB3}"/>
-              </a:ext>
-            </a:extLst>
-          </p:cNvPr>
-          <p:cNvCxnSpPr>
-            <a:cxnSpLocks/>
-            <a:endCxn id="85" idx="2"/>
-          </p:cNvCxnSpPr>
-          <p:nvPr/>
-        </p:nvCxnSpPr>
-        <p:spPr>
-          <a:xfrm flipV="1">
-            <a:off x="5088152" y="4191000"/>
-            <a:ext cx="1172826" cy="11922"/>
-          </a:xfrm>
-          <a:prstGeom prst="straightConnector1">
-            <a:avLst/>
-          </a:prstGeom>
-          <a:ln w="19050">
-            <a:solidFill>
-              <a:schemeClr val="accent4">
-                <a:lumMod val="60000"/>
-                <a:lumOff val="40000"/>
-              </a:schemeClr>
-            </a:solidFill>
-            <a:prstDash val="sysDash"/>
-            <a:headEnd type="arrow" w="med" len="med"/>
-            <a:tailEnd type="none" w="med" len="med"/>
-          </a:ln>
-        </p:spPr>
-        <p:style>
-          <a:lnRef idx="1">
-            <a:schemeClr val="accent1"/>
-          </a:lnRef>
-          <a:fillRef idx="0">
-            <a:schemeClr val="accent1"/>
-          </a:fillRef>
-          <a:effectRef idx="0">
-            <a:schemeClr val="accent1"/>
-          </a:effectRef>
-          <a:fontRef idx="minor">
-            <a:schemeClr val="tx1"/>
-          </a:fontRef>
-        </p:style>
-      </p:cxnSp>
-      <p:sp>
-        <p:nvSpPr>
-          <p:cNvPr id="88" name="Rectangle 62">
-            <a:extLst>
-              <a:ext uri="{FF2B5EF4-FFF2-40B4-BE49-F238E27FC236}">
-                <a16:creationId xmlns:a16="http://schemas.microsoft.com/office/drawing/2014/main" id="{F7BA9BAF-B03F-A340-B807-FCD99F49A49E}"/>
-              </a:ext>
-            </a:extLst>
-          </p:cNvPr>
-          <p:cNvSpPr/>
-          <p:nvPr/>
-        </p:nvSpPr>
-        <p:spPr>
-          <a:xfrm>
-            <a:off x="7020246" y="2716366"/>
-            <a:ext cx="653648" cy="231455"/>
-          </a:xfrm>
-          <a:prstGeom prst="rect">
-            <a:avLst/>
-          </a:prstGeom>
-          <a:solidFill>
-            <a:schemeClr val="accent4">
-              <a:lumMod val="60000"/>
-              <a:lumOff val="40000"/>
-            </a:schemeClr>
-          </a:solidFill>
-          <a:ln w="19050">
-            <a:solidFill>
-              <a:schemeClr val="accent4">
-                <a:lumMod val="60000"/>
-                <a:lumOff val="40000"/>
-              </a:schemeClr>
-            </a:solidFill>
-          </a:ln>
-          <a:effectLst/>
-        </p:spPr>
-        <p:style>
-          <a:lnRef idx="1">
-            <a:schemeClr val="accent2"/>
-          </a:lnRef>
-          <a:fillRef idx="2">
-            <a:schemeClr val="accent2"/>
-          </a:fillRef>
-          <a:effectRef idx="1">
-            <a:schemeClr val="accent2"/>
-          </a:effectRef>
-          <a:fontRef idx="minor">
-            <a:schemeClr val="dk1"/>
-          </a:fontRef>
-        </p:style>
-        <p:txBody>
-          <a:bodyPr rtlCol="0" anchor="ctr"/>
-          <a:lstStyle/>
-          <a:p>
-            <a:pPr algn="ctr"/>
-            <a:r>
-              <a:rPr lang="en-US" sz="1200" dirty="0">
-                <a:solidFill>
-                  <a:schemeClr val="bg1"/>
-                </a:solidFill>
-              </a:rPr>
-              <a:t>:Model</a:t>
-            </a:r>
-            <a:endParaRPr lang="en-SG" sz="1200" dirty="0">
-              <a:solidFill>
-                <a:schemeClr val="bg1"/>
-              </a:solidFill>
-            </a:endParaRPr>
-          </a:p>
-        </p:txBody>
-      </p:sp>
-      <p:sp>
-        <p:nvSpPr>
-          <p:cNvPr id="89" name="TextBox 77">
-            <a:extLst>
-              <a:ext uri="{FF2B5EF4-FFF2-40B4-BE49-F238E27FC236}">
-                <a16:creationId xmlns:a16="http://schemas.microsoft.com/office/drawing/2014/main" id="{093278BE-0289-F347-B6D7-0B94514EC160}"/>
-              </a:ext>
-            </a:extLst>
-          </p:cNvPr>
-          <p:cNvSpPr txBox="1"/>
-          <p:nvPr/>
-        </p:nvSpPr>
-        <p:spPr>
-          <a:xfrm rot="10800000" flipV="1">
-            <a:off x="5235760" y="4183944"/>
-            <a:ext cx="540859" cy="153888"/>
-          </a:xfrm>
-          <a:prstGeom prst="rect">
-            <a:avLst/>
-          </a:prstGeom>
-          <a:noFill/>
-        </p:spPr>
-        <p:txBody>
-          <a:bodyPr wrap="square" lIns="0" tIns="0" rIns="0" bIns="0" rtlCol="0">
-            <a:spAutoFit/>
-          </a:bodyPr>
-          <a:lstStyle>
-            <a:defPPr>
-              <a:defRPr lang="en-US"/>
-            </a:defPPr>
-            <a:lvl1pPr algn="r">
-              <a:defRPr sz="1400">
-                <a:solidFill>
-                  <a:srgbClr val="0070C0"/>
-                </a:solidFill>
-              </a:defRPr>
-            </a:lvl1pPr>
-          </a:lstStyle>
-          <a:p>
-            <a:r>
-              <a:rPr lang="en-US" sz="1000" dirty="0">
-                <a:solidFill>
-                  <a:srgbClr val="7030A0"/>
-                </a:solidFill>
-              </a:rPr>
-              <a:t>q</a:t>
-            </a:r>
-          </a:p>
-        </p:txBody>
-      </p:sp>
-      <p:cxnSp>
-        <p:nvCxnSpPr>
-          <p:cNvPr id="91" name="Straight Arrow Connector 74">
-            <a:extLst>
-              <a:ext uri="{FF2B5EF4-FFF2-40B4-BE49-F238E27FC236}">
-                <a16:creationId xmlns:a16="http://schemas.microsoft.com/office/drawing/2014/main" id="{C03ABABB-0272-4C4A-9E08-568D3C87CA72}"/>
-              </a:ext>
-            </a:extLst>
-          </p:cNvPr>
-          <p:cNvCxnSpPr>
-            <a:cxnSpLocks/>
-          </p:cNvCxnSpPr>
-          <p:nvPr/>
-        </p:nvCxnSpPr>
-        <p:spPr>
-          <a:xfrm>
-            <a:off x="5051485" y="4334846"/>
-            <a:ext cx="2202220" cy="2987"/>
-          </a:xfrm>
-          <a:prstGeom prst="straightConnector1">
-            <a:avLst/>
-          </a:prstGeom>
-          <a:ln w="19050">
-            <a:solidFill>
-              <a:srgbClr val="0070C0"/>
-            </a:solidFill>
-            <a:tailEnd type="arrow"/>
-          </a:ln>
-        </p:spPr>
-        <p:style>
-          <a:lnRef idx="1">
-            <a:schemeClr val="accent1"/>
-          </a:lnRef>
-          <a:fillRef idx="0">
-            <a:schemeClr val="accent1"/>
-          </a:fillRef>
-          <a:effectRef idx="0">
-            <a:schemeClr val="accent1"/>
-          </a:effectRef>
-          <a:fontRef idx="minor">
-            <a:schemeClr val="tx1"/>
-          </a:fontRef>
-        </p:style>
-      </p:cxnSp>
-      <p:sp>
-        <p:nvSpPr>
-          <p:cNvPr id="78" name="TextBox 77"/>
-          <p:cNvSpPr txBox="1"/>
-          <p:nvPr/>
-        </p:nvSpPr>
-        <p:spPr>
-          <a:xfrm>
-            <a:off x="5060096" y="4339566"/>
-            <a:ext cx="1424846" cy="138499"/>
-          </a:xfrm>
-          <a:prstGeom prst="rect">
-            <a:avLst/>
-          </a:prstGeom>
-          <a:noFill/>
-        </p:spPr>
-        <p:txBody>
-          <a:bodyPr wrap="square" lIns="0" tIns="0" rIns="0" bIns="0" rtlCol="0">
-            <a:spAutoFit/>
-          </a:bodyPr>
-          <a:lstStyle>
-            <a:defPPr>
-              <a:defRPr lang="en-US"/>
-            </a:defPPr>
-            <a:lvl1pPr algn="r">
-              <a:defRPr sz="1400">
-                <a:solidFill>
-                  <a:srgbClr val="0070C0"/>
-                </a:solidFill>
-              </a:defRPr>
-            </a:lvl1pPr>
-          </a:lstStyle>
-          <a:p>
-            <a:r>
-              <a:rPr lang="en-US" sz="900" dirty="0" err="1">
-                <a:solidFill>
-                  <a:srgbClr val="7030A0"/>
-                </a:solidFill>
-              </a:rPr>
-              <a:t>updatePerson</a:t>
-            </a:r>
-            <a:r>
-              <a:rPr lang="en-US" sz="900" dirty="0">
-                <a:solidFill>
-                  <a:srgbClr val="7030A0"/>
-                </a:solidFill>
-              </a:rPr>
-              <a:t>(p, q)</a:t>
-            </a:r>
-          </a:p>
-        </p:txBody>
-      </p:sp>
-      <p:sp>
-        <p:nvSpPr>
-          <p:cNvPr id="84" name="Rectangle 62"/>
-          <p:cNvSpPr/>
-          <p:nvPr/>
-        </p:nvSpPr>
-        <p:spPr>
-          <a:xfrm>
-            <a:off x="5323187" y="4608294"/>
-            <a:ext cx="1244974" cy="331418"/>
-          </a:xfrm>
-          <a:prstGeom prst="rect">
-            <a:avLst/>
-          </a:prstGeom>
-          <a:solidFill>
-            <a:srgbClr val="0070C0"/>
-          </a:solidFill>
-          <a:ln w="19050">
-            <a:solidFill>
-              <a:srgbClr val="0070C0"/>
-            </a:solidFill>
-          </a:ln>
-          <a:effectLst/>
-        </p:spPr>
-        <p:style>
-          <a:lnRef idx="1">
-            <a:schemeClr val="accent2"/>
-          </a:lnRef>
-          <a:fillRef idx="2">
-            <a:schemeClr val="accent2"/>
-          </a:fillRef>
-          <a:effectRef idx="1">
-            <a:schemeClr val="accent2"/>
-          </a:effectRef>
-          <a:fontRef idx="minor">
-            <a:schemeClr val="dk1"/>
-          </a:fontRef>
-        </p:style>
-        <p:txBody>
-          <a:bodyPr rtlCol="0" anchor="ctr"/>
-          <a:lstStyle/>
-          <a:p>
-            <a:pPr algn="ctr"/>
-            <a:r>
-              <a:rPr lang="en-US" sz="1200" dirty="0" err="1">
-                <a:solidFill>
-                  <a:schemeClr val="bg1"/>
-                </a:solidFill>
-              </a:rPr>
-              <a:t>result:Command</a:t>
-            </a:r>
-            <a:r>
-              <a:rPr lang="en-US" sz="1200" dirty="0">
-                <a:solidFill>
-                  <a:schemeClr val="bg1"/>
-                </a:solidFill>
-              </a:rPr>
-              <a:t> Result</a:t>
-            </a:r>
-            <a:endParaRPr lang="en-SG" sz="1200" dirty="0">
-              <a:solidFill>
-                <a:schemeClr val="bg1"/>
-              </a:solidFill>
-            </a:endParaRPr>
-          </a:p>
-        </p:txBody>
-      </p:sp>
     </p:spTree>
     <p:extLst>
       <p:ext uri="{BB962C8B-B14F-4D97-AF65-F5344CB8AC3E}">
-        <p14:creationId xmlns:p14="http://schemas.microsoft.com/office/powerpoint/2010/main" val="2876103528"/>
+        <p14:creationId xmlns:p14="http://schemas.microsoft.com/office/powerpoint/2010/main" val="2228690872"/>
       </p:ext>
     </p:extLst>
   </p:cSld>

--- a/docs/diagrams/DeleteMedicalHistorySequenceDiagram.pptx
+++ b/docs/diagrams/DeleteMedicalHistorySequenceDiagram.pptx
@@ -208,7 +208,7 @@
           <a:p>
             <a:fld id="{F5CC4B3F-88C1-4FFA-B1B6-F41C21DC6924}" type="datetimeFigureOut">
               <a:rPr lang="en-US" smtClean="0"/>
-              <a:t>11/11/18</a:t>
+              <a:t>11/12/2018</a:t>
             </a:fld>
             <a:endParaRPr lang="en-US"/>
           </a:p>
@@ -654,7 +654,7 @@
           <a:p>
             <a:fld id="{78C97017-6FC3-485B-9764-EAC9E56C1D49}" type="datetimeFigureOut">
               <a:rPr lang="en-US" smtClean="0"/>
-              <a:t>11/11/18</a:t>
+              <a:t>11/12/2018</a:t>
             </a:fld>
             <a:endParaRPr lang="en-US"/>
           </a:p>
@@ -822,7 +822,7 @@
           <a:p>
             <a:fld id="{78C97017-6FC3-485B-9764-EAC9E56C1D49}" type="datetimeFigureOut">
               <a:rPr lang="en-US" smtClean="0"/>
-              <a:t>11/11/18</a:t>
+              <a:t>11/12/2018</a:t>
             </a:fld>
             <a:endParaRPr lang="en-US"/>
           </a:p>
@@ -1000,7 +1000,7 @@
           <a:p>
             <a:fld id="{78C97017-6FC3-485B-9764-EAC9E56C1D49}" type="datetimeFigureOut">
               <a:rPr lang="en-US" smtClean="0"/>
-              <a:t>11/11/18</a:t>
+              <a:t>11/12/2018</a:t>
             </a:fld>
             <a:endParaRPr lang="en-US"/>
           </a:p>
@@ -1168,7 +1168,7 @@
           <a:p>
             <a:fld id="{78C97017-6FC3-485B-9764-EAC9E56C1D49}" type="datetimeFigureOut">
               <a:rPr lang="en-US" smtClean="0"/>
-              <a:t>11/11/18</a:t>
+              <a:t>11/12/2018</a:t>
             </a:fld>
             <a:endParaRPr lang="en-US"/>
           </a:p>
@@ -1413,7 +1413,7 @@
           <a:p>
             <a:fld id="{78C97017-6FC3-485B-9764-EAC9E56C1D49}" type="datetimeFigureOut">
               <a:rPr lang="en-US" smtClean="0"/>
-              <a:t>11/11/18</a:t>
+              <a:t>11/12/2018</a:t>
             </a:fld>
             <a:endParaRPr lang="en-US"/>
           </a:p>
@@ -1698,7 +1698,7 @@
           <a:p>
             <a:fld id="{78C97017-6FC3-485B-9764-EAC9E56C1D49}" type="datetimeFigureOut">
               <a:rPr lang="en-US" smtClean="0"/>
-              <a:t>11/11/18</a:t>
+              <a:t>11/12/2018</a:t>
             </a:fld>
             <a:endParaRPr lang="en-US"/>
           </a:p>
@@ -2117,7 +2117,7 @@
           <a:p>
             <a:fld id="{78C97017-6FC3-485B-9764-EAC9E56C1D49}" type="datetimeFigureOut">
               <a:rPr lang="en-US" smtClean="0"/>
-              <a:t>11/11/18</a:t>
+              <a:t>11/12/2018</a:t>
             </a:fld>
             <a:endParaRPr lang="en-US"/>
           </a:p>
@@ -2234,7 +2234,7 @@
           <a:p>
             <a:fld id="{78C97017-6FC3-485B-9764-EAC9E56C1D49}" type="datetimeFigureOut">
               <a:rPr lang="en-US" smtClean="0"/>
-              <a:t>11/11/18</a:t>
+              <a:t>11/12/2018</a:t>
             </a:fld>
             <a:endParaRPr lang="en-US"/>
           </a:p>
@@ -2329,7 +2329,7 @@
           <a:p>
             <a:fld id="{78C97017-6FC3-485B-9764-EAC9E56C1D49}" type="datetimeFigureOut">
               <a:rPr lang="en-US" smtClean="0"/>
-              <a:t>11/11/18</a:t>
+              <a:t>11/12/2018</a:t>
             </a:fld>
             <a:endParaRPr lang="en-US"/>
           </a:p>
@@ -2604,7 +2604,7 @@
           <a:p>
             <a:fld id="{78C97017-6FC3-485B-9764-EAC9E56C1D49}" type="datetimeFigureOut">
               <a:rPr lang="en-US" smtClean="0"/>
-              <a:t>11/11/18</a:t>
+              <a:t>11/12/2018</a:t>
             </a:fld>
             <a:endParaRPr lang="en-US"/>
           </a:p>
@@ -2856,7 +2856,7 @@
           <a:p>
             <a:fld id="{78C97017-6FC3-485B-9764-EAC9E56C1D49}" type="datetimeFigureOut">
               <a:rPr lang="en-US" smtClean="0"/>
-              <a:t>11/11/18</a:t>
+              <a:t>11/12/2018</a:t>
             </a:fld>
             <a:endParaRPr lang="en-US"/>
           </a:p>
@@ -3067,7 +3067,7 @@
           <a:p>
             <a:fld id="{78C97017-6FC3-485B-9764-EAC9E56C1D49}" type="datetimeFigureOut">
               <a:rPr lang="en-US" smtClean="0"/>
-              <a:t>11/11/18</a:t>
+              <a:t>11/12/2018</a:t>
             </a:fld>
             <a:endParaRPr lang="en-US"/>
           </a:p>
@@ -3764,7 +3764,7 @@
                   <a:schemeClr val="bg1"/>
                 </a:solidFill>
               </a:rPr>
-              <a:t>:Address</a:t>
+              <a:t>:Health</a:t>
             </a:r>
           </a:p>
           <a:p>
@@ -5069,7 +5069,7 @@
                   <a:schemeClr val="bg1"/>
                 </a:solidFill>
               </a:rPr>
-              <a:t>VersionedAddressBook</a:t>
+              <a:t>VersionedHealthBook</a:t>
             </a:r>
             <a:endParaRPr lang="en-SG" sz="1200" dirty="0">
               <a:solidFill>
